--- a/TummetiSaiRamKumar.pptx
+++ b/TummetiSaiRamKumar.pptx
@@ -2758,7 +2758,7 @@
               <a:rPr lang="en-IN" smtClean="0">
                 <a:latin typeface="DINPro" panose="020B0504020101020102" pitchFamily="34" charset="0"/>
               </a:rPr>
-              <a:t>21-07-2022</a:t>
+              <a:t>22-07-2022</a:t>
             </a:fld>
             <a:endParaRPr lang="en-IN" dirty="0">
               <a:latin typeface="DINPro" panose="020B0504020101020102" pitchFamily="34" charset="0"/>
@@ -2931,7 +2931,7 @@
           <a:p>
             <a:fld id="{67AA56E6-BC77-4658-A92C-3F7EB356ECED}" type="datetimeFigureOut">
               <a:rPr lang="en-US" smtClean="0"/>
-              <a:t>7/21/2022</a:t>
+              <a:t>7/22/2022</a:t>
             </a:fld>
             <a:endParaRPr lang="en-US"/>
           </a:p>
@@ -13219,7 +13219,7 @@
           <a:p>
             <a:fld id="{231C8CD4-7F6D-44E8-9A6B-73A86D0DE55D}" type="datetimeFigureOut">
               <a:rPr lang="en-IN" smtClean="0"/>
-              <a:t>21-07-2022</a:t>
+              <a:t>22-07-2022</a:t>
             </a:fld>
             <a:endParaRPr lang="en-IN"/>
           </a:p>
@@ -13389,7 +13389,7 @@
           <a:p>
             <a:fld id="{231C8CD4-7F6D-44E8-9A6B-73A86D0DE55D}" type="datetimeFigureOut">
               <a:rPr lang="en-IN" smtClean="0"/>
-              <a:t>21-07-2022</a:t>
+              <a:t>22-07-2022</a:t>
             </a:fld>
             <a:endParaRPr lang="en-IN"/>
           </a:p>
@@ -13635,7 +13635,7 @@
           <a:p>
             <a:fld id="{231C8CD4-7F6D-44E8-9A6B-73A86D0DE55D}" type="datetimeFigureOut">
               <a:rPr lang="en-IN" smtClean="0"/>
-              <a:t>21-07-2022</a:t>
+              <a:t>22-07-2022</a:t>
             </a:fld>
             <a:endParaRPr lang="en-IN"/>
           </a:p>
@@ -13867,7 +13867,7 @@
           <a:p>
             <a:fld id="{231C8CD4-7F6D-44E8-9A6B-73A86D0DE55D}" type="datetimeFigureOut">
               <a:rPr lang="en-IN" smtClean="0"/>
-              <a:t>21-07-2022</a:t>
+              <a:t>22-07-2022</a:t>
             </a:fld>
             <a:endParaRPr lang="en-IN"/>
           </a:p>
@@ -14234,7 +14234,7 @@
           <a:p>
             <a:fld id="{231C8CD4-7F6D-44E8-9A6B-73A86D0DE55D}" type="datetimeFigureOut">
               <a:rPr lang="en-IN" smtClean="0"/>
-              <a:t>21-07-2022</a:t>
+              <a:t>22-07-2022</a:t>
             </a:fld>
             <a:endParaRPr lang="en-IN"/>
           </a:p>
@@ -14352,7 +14352,7 @@
           <a:p>
             <a:fld id="{231C8CD4-7F6D-44E8-9A6B-73A86D0DE55D}" type="datetimeFigureOut">
               <a:rPr lang="en-IN" smtClean="0"/>
-              <a:t>21-07-2022</a:t>
+              <a:t>22-07-2022</a:t>
             </a:fld>
             <a:endParaRPr lang="en-IN"/>
           </a:p>
@@ -14447,7 +14447,7 @@
           <a:p>
             <a:fld id="{231C8CD4-7F6D-44E8-9A6B-73A86D0DE55D}" type="datetimeFigureOut">
               <a:rPr lang="en-IN" smtClean="0"/>
-              <a:t>21-07-2022</a:t>
+              <a:t>22-07-2022</a:t>
             </a:fld>
             <a:endParaRPr lang="en-IN"/>
           </a:p>
@@ -14724,7 +14724,7 @@
           <a:p>
             <a:fld id="{231C8CD4-7F6D-44E8-9A6B-73A86D0DE55D}" type="datetimeFigureOut">
               <a:rPr lang="en-IN" smtClean="0"/>
-              <a:t>21-07-2022</a:t>
+              <a:t>22-07-2022</a:t>
             </a:fld>
             <a:endParaRPr lang="en-IN"/>
           </a:p>
@@ -15099,7 +15099,7 @@
           <a:p>
             <a:fld id="{231C8CD4-7F6D-44E8-9A6B-73A86D0DE55D}" type="datetimeFigureOut">
               <a:rPr lang="en-IN" smtClean="0"/>
-              <a:t>21-07-2022</a:t>
+              <a:t>22-07-2022</a:t>
             </a:fld>
             <a:endParaRPr lang="en-IN"/>
           </a:p>
@@ -15269,7 +15269,7 @@
           <a:p>
             <a:fld id="{231C8CD4-7F6D-44E8-9A6B-73A86D0DE55D}" type="datetimeFigureOut">
               <a:rPr lang="en-IN" smtClean="0"/>
-              <a:t>21-07-2022</a:t>
+              <a:t>22-07-2022</a:t>
             </a:fld>
             <a:endParaRPr lang="en-IN"/>
           </a:p>
@@ -15449,7 +15449,7 @@
           <a:p>
             <a:fld id="{231C8CD4-7F6D-44E8-9A6B-73A86D0DE55D}" type="datetimeFigureOut">
               <a:rPr lang="en-IN" smtClean="0"/>
-              <a:t>21-07-2022</a:t>
+              <a:t>22-07-2022</a:t>
             </a:fld>
             <a:endParaRPr lang="en-IN"/>
           </a:p>
@@ -17997,7 +17997,7 @@
             <a:fld id="{5E90BB3F-FBC1-4BBB-B7E3-4237379680E8}" type="datetimeFigureOut">
               <a:rPr lang="en-US" smtClean="0"/>
               <a:pPr/>
-              <a:t>7/21/2022</a:t>
+              <a:t>7/22/2022</a:t>
             </a:fld>
             <a:endParaRPr lang="en-US" dirty="0"/>
           </a:p>
@@ -18572,7 +18572,7 @@
           <a:p>
             <a:fld id="{231C8CD4-7F6D-44E8-9A6B-73A86D0DE55D}" type="datetimeFigureOut">
               <a:rPr lang="en-IN" smtClean="0"/>
-              <a:t>21-07-2022</a:t>
+              <a:t>22-07-2022</a:t>
             </a:fld>
             <a:endParaRPr lang="en-IN"/>
           </a:p>
@@ -38090,6 +38090,10 @@
           </a:stretch>
         </p:blipFill>
         <p:spPr>
+          <a:xfrm>
+            <a:off x="-2054905" y="2169106"/>
+            <a:ext cx="5977465" cy="3742266"/>
+          </a:xfrm>
           <a:solidFill>
             <a:schemeClr val="bg1">
               <a:lumMod val="95000"/>
